--- a/Documents/7주차/캡스톤_발표_7주차_v0.1.pptx
+++ b/Documents/7주차/캡스톤_발표_7주차_v0.1.pptx
@@ -1333,7 +1333,7 @@
             <a:fld id="{9334D819-9F07-4261-B09B-9E467E5D9002}" type="datetimeFigureOut">
               <a:rPr lang="en-US" dirty="0"/>
               <a:pPr/>
-              <a:t>10/7/2018</a:t>
+              <a:t>10/9/2018</a:t>
             </a:fld>
             <a:endParaRPr lang="en-US" dirty="0"/>
           </a:p>
@@ -1567,7 +1567,7 @@
           <a:p>
             <a:fld id="{9334D819-9F07-4261-B09B-9E467E5D9002}" type="datetimeFigureOut">
               <a:rPr lang="en-US" dirty="0"/>
-              <a:t>10/7/2018</a:t>
+              <a:t>10/9/2018</a:t>
             </a:fld>
             <a:endParaRPr lang="en-US" dirty="0"/>
           </a:p>
@@ -1742,7 +1742,7 @@
           <a:p>
             <a:fld id="{9334D819-9F07-4261-B09B-9E467E5D9002}" type="datetimeFigureOut">
               <a:rPr lang="en-US" dirty="0"/>
-              <a:t>10/7/2018</a:t>
+              <a:t>10/9/2018</a:t>
             </a:fld>
             <a:endParaRPr lang="en-US" dirty="0"/>
           </a:p>
@@ -1907,7 +1907,7 @@
           <a:p>
             <a:fld id="{9334D819-9F07-4261-B09B-9E467E5D9002}" type="datetimeFigureOut">
               <a:rPr lang="en-US" dirty="0"/>
-              <a:t>10/7/2018</a:t>
+              <a:t>10/9/2018</a:t>
             </a:fld>
             <a:endParaRPr lang="en-US" dirty="0"/>
           </a:p>
@@ -2179,7 +2179,7 @@
             <a:fld id="{9334D819-9F07-4261-B09B-9E467E5D9002}" type="datetimeFigureOut">
               <a:rPr lang="en-US" dirty="0"/>
               <a:pPr/>
-              <a:t>10/7/2018</a:t>
+              <a:t>10/9/2018</a:t>
             </a:fld>
             <a:endParaRPr lang="en-US" dirty="0"/>
           </a:p>
@@ -3376,7 +3376,7 @@
           <a:p>
             <a:fld id="{9334D819-9F07-4261-B09B-9E467E5D9002}" type="datetimeFigureOut">
               <a:rPr lang="en-US" dirty="0"/>
-              <a:t>10/7/2018</a:t>
+              <a:t>10/9/2018</a:t>
             </a:fld>
             <a:endParaRPr lang="en-US" dirty="0"/>
           </a:p>
@@ -3761,7 +3761,7 @@
           <a:p>
             <a:fld id="{9334D819-9F07-4261-B09B-9E467E5D9002}" type="datetimeFigureOut">
               <a:rPr lang="en-US" dirty="0"/>
-              <a:t>10/7/2018</a:t>
+              <a:t>10/9/2018</a:t>
             </a:fld>
             <a:endParaRPr lang="en-US" dirty="0"/>
           </a:p>
@@ -3879,7 +3879,7 @@
           <a:p>
             <a:fld id="{9334D819-9F07-4261-B09B-9E467E5D9002}" type="datetimeFigureOut">
               <a:rPr lang="en-US" dirty="0"/>
-              <a:t>10/7/2018</a:t>
+              <a:t>10/9/2018</a:t>
             </a:fld>
             <a:endParaRPr lang="en-US" dirty="0"/>
           </a:p>
@@ -3969,7 +3969,7 @@
           <a:p>
             <a:fld id="{9334D819-9F07-4261-B09B-9E467E5D9002}" type="datetimeFigureOut">
               <a:rPr lang="en-US" dirty="0"/>
-              <a:t>10/7/2018</a:t>
+              <a:t>10/9/2018</a:t>
             </a:fld>
             <a:endParaRPr lang="en-US" dirty="0"/>
           </a:p>
@@ -4727,7 +4727,7 @@
           <a:p>
             <a:fld id="{9334D819-9F07-4261-B09B-9E467E5D9002}" type="datetimeFigureOut">
               <a:rPr lang="en-US" dirty="0"/>
-              <a:t>10/7/2018</a:t>
+              <a:t>10/9/2018</a:t>
             </a:fld>
             <a:endParaRPr lang="en-US" dirty="0"/>
           </a:p>
@@ -5562,7 +5562,7 @@
           <a:p>
             <a:fld id="{9334D819-9F07-4261-B09B-9E467E5D9002}" type="datetimeFigureOut">
               <a:rPr lang="en-US" dirty="0"/>
-              <a:t>10/7/2018</a:t>
+              <a:t>10/9/2018</a:t>
             </a:fld>
             <a:endParaRPr lang="en-US" dirty="0"/>
           </a:p>
@@ -5785,7 +5785,7 @@
             <a:fld id="{9334D819-9F07-4261-B09B-9E467E5D9002}" type="datetimeFigureOut">
               <a:rPr lang="en-US" dirty="0"/>
               <a:pPr/>
-              <a:t>10/7/2018</a:t>
+              <a:t>10/9/2018</a:t>
             </a:fld>
             <a:endParaRPr lang="en-US" dirty="0"/>
           </a:p>
@@ -7124,7 +7124,15 @@
             </a:r>
             <a:r>
               <a:rPr lang="en-US" altLang="ko-KR" sz="4200" b="1" dirty="0"/>
-              <a:t>Login (AMAZON Cognito)</a:t>
+              <a:t>Login (</a:t>
+            </a:r>
+            <a:r>
+              <a:rPr lang="en-US" altLang="ko-KR" sz="4200" b="1" dirty="0" err="1"/>
+              <a:t>aws</a:t>
+            </a:r>
+            <a:r>
+              <a:rPr lang="en-US" altLang="ko-KR" sz="4200" b="1" dirty="0"/>
+              <a:t> mobile hub)</a:t>
             </a:r>
             <a:endParaRPr lang="ko-KR" altLang="en-US" sz="4200" b="1" dirty="0">
               <a:latin typeface="휴먼매직체" panose="02030504000101010101" pitchFamily="18" charset="-127"/>
@@ -7157,46 +7165,130 @@
           <a:lstStyle/>
           <a:p>
             <a:r>
-              <a:rPr lang="ko-KR" altLang="en-US" sz="2400" dirty="0" err="1"/>
-              <a:t>빅스비</a:t>
+              <a:rPr lang="en-US" altLang="ko-KR" sz="2400" dirty="0"/>
+              <a:t>Web Connection </a:t>
             </a:r>
             <a:r>
               <a:rPr lang="ko-KR" altLang="en-US" sz="2400" dirty="0"/>
-              <a:t> 기능은 시작할 때 특정 명령어를 인식</a:t>
-            </a:r>
+              <a:t>방식</a:t>
+            </a:r>
+            <a:r>
+              <a:rPr lang="en-US" altLang="ko-KR" sz="2400" dirty="0"/>
+              <a:t>?</a:t>
+            </a:r>
+          </a:p>
+          <a:p>
+            <a:pPr lvl="1"/>
+            <a:endParaRPr lang="en-US" altLang="ko-KR" sz="2200" dirty="0"/>
+          </a:p>
+          <a:p>
             <a:endParaRPr lang="en-US" altLang="ko-KR" sz="2400" dirty="0"/>
           </a:p>
           <a:p>
-            <a:endParaRPr lang="en-US" altLang="ko-KR" sz="2400" dirty="0"/>
-          </a:p>
-          <a:p>
-            <a:r>
-              <a:rPr lang="ko-KR" altLang="en-US" sz="2400" dirty="0"/>
-              <a:t>노래 가사 중  </a:t>
-            </a:r>
             <a:r>
               <a:rPr lang="en-US" altLang="ko-KR" sz="2400" dirty="0"/>
-              <a:t>‘</a:t>
-            </a:r>
-            <a:r>
-              <a:rPr lang="ko-KR" altLang="en-US" sz="2400" dirty="0"/>
-              <a:t>하이 </a:t>
-            </a:r>
-            <a:r>
-              <a:rPr lang="ko-KR" altLang="en-US" sz="2400" dirty="0" err="1"/>
-              <a:t>빅스비</a:t>
-            </a:r>
-            <a:r>
-              <a:rPr lang="en-US" altLang="ko-KR" sz="2400" dirty="0"/>
-              <a:t>’ </a:t>
-            </a:r>
-            <a:r>
-              <a:rPr lang="ko-KR" altLang="en-US" sz="2400" dirty="0"/>
-              <a:t>라는 가사는 없음</a:t>
+              <a:t>AWS Back End User Sign-in</a:t>
+            </a:r>
+          </a:p>
+          <a:p>
+            <a:pPr lvl="1"/>
+            <a:r>
+              <a:rPr lang="en-US" altLang="ko-KR" sz="2200" dirty="0"/>
+              <a:t>Actual password is not sent over the wire</a:t>
             </a:r>
           </a:p>
         </p:txBody>
       </p:sp>
+      <p:pic>
+        <p:nvPicPr>
+          <p:cNvPr id="4" name="그림 3">
+            <a:extLst>
+              <a:ext uri="{FF2B5EF4-FFF2-40B4-BE49-F238E27FC236}">
+                <a16:creationId xmlns:a16="http://schemas.microsoft.com/office/drawing/2014/main" id="{555B67CC-0FE4-4EE8-803D-DE55E695A7D8}"/>
+              </a:ext>
+            </a:extLst>
+          </p:cNvPr>
+          <p:cNvPicPr>
+            <a:picLocks noChangeAspect="1"/>
+          </p:cNvPicPr>
+          <p:nvPr/>
+        </p:nvPicPr>
+        <p:blipFill>
+          <a:blip r:embed="rId2"/>
+          <a:stretch>
+            <a:fillRect/>
+          </a:stretch>
+        </p:blipFill>
+        <p:spPr>
+          <a:xfrm>
+            <a:off x="1504950" y="2838450"/>
+            <a:ext cx="9182100" cy="590550"/>
+          </a:xfrm>
+          <a:prstGeom prst="rect">
+            <a:avLst/>
+          </a:prstGeom>
+        </p:spPr>
+      </p:pic>
+      <p:pic>
+        <p:nvPicPr>
+          <p:cNvPr id="5" name="그림 4">
+            <a:extLst>
+              <a:ext uri="{FF2B5EF4-FFF2-40B4-BE49-F238E27FC236}">
+                <a16:creationId xmlns:a16="http://schemas.microsoft.com/office/drawing/2014/main" id="{0BFC067D-6567-4971-9678-CB37142E2331}"/>
+              </a:ext>
+            </a:extLst>
+          </p:cNvPr>
+          <p:cNvPicPr>
+            <a:picLocks noChangeAspect="1"/>
+          </p:cNvPicPr>
+          <p:nvPr/>
+        </p:nvPicPr>
+        <p:blipFill>
+          <a:blip r:embed="rId3"/>
+          <a:stretch>
+            <a:fillRect/>
+          </a:stretch>
+        </p:blipFill>
+        <p:spPr>
+          <a:xfrm>
+            <a:off x="6837850" y="3422521"/>
+            <a:ext cx="4833841" cy="3171710"/>
+          </a:xfrm>
+          <a:prstGeom prst="rect">
+            <a:avLst/>
+          </a:prstGeom>
+        </p:spPr>
+      </p:pic>
+      <p:pic>
+        <p:nvPicPr>
+          <p:cNvPr id="6" name="그림 5">
+            <a:extLst>
+              <a:ext uri="{FF2B5EF4-FFF2-40B4-BE49-F238E27FC236}">
+                <a16:creationId xmlns:a16="http://schemas.microsoft.com/office/drawing/2014/main" id="{4702D012-DE9B-4D80-B156-E918AA9F53B1}"/>
+              </a:ext>
+            </a:extLst>
+          </p:cNvPr>
+          <p:cNvPicPr>
+            <a:picLocks noChangeAspect="1"/>
+          </p:cNvPicPr>
+          <p:nvPr/>
+        </p:nvPicPr>
+        <p:blipFill>
+          <a:blip r:embed="rId4"/>
+          <a:stretch>
+            <a:fillRect/>
+          </a:stretch>
+        </p:blipFill>
+        <p:spPr>
+          <a:xfrm>
+            <a:off x="1504950" y="4903123"/>
+            <a:ext cx="2505075" cy="1019175"/>
+          </a:xfrm>
+          <a:prstGeom prst="rect">
+            <a:avLst/>
+          </a:prstGeom>
+        </p:spPr>
+      </p:pic>
     </p:spTree>
     <p:extLst>
       <p:ext uri="{BB962C8B-B14F-4D97-AF65-F5344CB8AC3E}">
